--- a/4p_v2/bin/Debug/example_pptx/Sample.pptx
+++ b/4p_v2/bin/Debug/example_pptx/Sample.pptx
@@ -834,7 +834,7 @@
               <a:pPr>
                 <a:defRPr/>
               </a:pPr>
-              <a:t>7/1/2024</a:t>
+              <a:t>8/5/2024</a:t>
             </a:fld>
             <a:endParaRPr lang="en-US"/>
           </a:p>
@@ -1029,7 +1029,7 @@
               <a:pPr>
                 <a:defRPr/>
               </a:pPr>
-              <a:t>7/1/2024</a:t>
+              <a:t>8/5/2024</a:t>
             </a:fld>
             <a:endParaRPr lang="en-US"/>
           </a:p>
@@ -1234,7 +1234,7 @@
               <a:pPr>
                 <a:defRPr/>
               </a:pPr>
-              <a:t>7/1/2024</a:t>
+              <a:t>8/5/2024</a:t>
             </a:fld>
             <a:endParaRPr lang="en-US"/>
           </a:p>
@@ -5816,7 +5816,7 @@
               <a:pPr>
                 <a:defRPr/>
               </a:pPr>
-              <a:t>7/1/2024</a:t>
+              <a:t>8/5/2024</a:t>
             </a:fld>
             <a:endParaRPr lang="en-US"/>
           </a:p>
@@ -6088,7 +6088,7 @@
               <a:pPr>
                 <a:defRPr/>
               </a:pPr>
-              <a:t>7/1/2024</a:t>
+              <a:t>8/5/2024</a:t>
             </a:fld>
             <a:endParaRPr lang="en-US"/>
           </a:p>
@@ -6400,7 +6400,7 @@
               <a:pPr>
                 <a:defRPr/>
               </a:pPr>
-              <a:t>7/1/2024</a:t>
+              <a:t>8/5/2024</a:t>
             </a:fld>
             <a:endParaRPr lang="en-US"/>
           </a:p>
@@ -6846,7 +6846,7 @@
               <a:pPr>
                 <a:defRPr/>
               </a:pPr>
-              <a:t>7/1/2024</a:t>
+              <a:t>8/5/2024</a:t>
             </a:fld>
             <a:endParaRPr lang="en-US"/>
           </a:p>
@@ -6990,7 +6990,7 @@
               <a:pPr>
                 <a:defRPr/>
               </a:pPr>
-              <a:t>7/1/2024</a:t>
+              <a:t>8/5/2024</a:t>
             </a:fld>
             <a:endParaRPr lang="en-US"/>
           </a:p>
@@ -7112,7 +7112,7 @@
               <a:pPr>
                 <a:defRPr/>
               </a:pPr>
-              <a:t>7/1/2024</a:t>
+              <a:t>8/5/2024</a:t>
             </a:fld>
             <a:endParaRPr lang="en-US"/>
           </a:p>
@@ -7414,7 +7414,7 @@
               <a:pPr>
                 <a:defRPr/>
               </a:pPr>
-              <a:t>7/1/2024</a:t>
+              <a:t>8/5/2024</a:t>
             </a:fld>
             <a:endParaRPr lang="en-US"/>
           </a:p>
@@ -7696,7 +7696,7 @@
               <a:pPr>
                 <a:defRPr/>
               </a:pPr>
-              <a:t>7/1/2024</a:t>
+              <a:t>8/5/2024</a:t>
             </a:fld>
             <a:endParaRPr lang="en-US"/>
           </a:p>
@@ -7986,7 +7986,7 @@
               <a:pPr>
                 <a:defRPr/>
               </a:pPr>
-              <a:t>7/1/2024</a:t>
+              <a:t>8/5/2024</a:t>
             </a:fld>
             <a:endParaRPr lang="en-US"/>
           </a:p>
@@ -15746,8 +15746,8 @@
         </p:nvSpPr>
         <p:spPr bwMode="auto">
           <a:xfrm>
-            <a:off x="8769350" y="692150"/>
-            <a:ext cx="1296988" cy="231775"/>
+            <a:off x="8855140" y="692150"/>
+            <a:ext cx="1064567" cy="215444"/>
           </a:xfrm>
           <a:prstGeom prst="rect">
             <a:avLst/>
@@ -15777,7 +15777,7 @@
           </a:extLst>
         </p:spPr>
         <p:txBody>
-          <a:bodyPr>
+          <a:bodyPr wrap="square">
             <a:spAutoFit/>
           </a:bodyPr>
           <a:lstStyle>
@@ -15921,7 +15921,7 @@
             </a:lvl9pPr>
           </a:lstStyle>
           <a:p>
-            <a:pPr eaLnBrk="1" fontAlgn="b" hangingPunct="1">
+            <a:pPr algn="ctr" eaLnBrk="1" fontAlgn="b" hangingPunct="1">
               <a:spcBef>
                 <a:spcPct val="0"/>
               </a:spcBef>
@@ -15929,7 +15929,7 @@
               <a:buNone/>
             </a:pPr>
             <a:r>
-              <a:rPr kumimoji="0" lang="en-US" altLang="en-US" sz="900" dirty="0">
+              <a:rPr kumimoji="0" lang="en-US" altLang="en-US" sz="800" dirty="0">
                 <a:latin typeface="Arial" panose="020B0604020202020204" pitchFamily="34" charset="0"/>
                 <a:ea typeface="Dotum" pitchFamily="34" charset="-127"/>
                 <a:cs typeface="Arial" panose="020B0604020202020204" pitchFamily="34" charset="0"/>
@@ -15937,14 +15937,14 @@
               <a:t>   </a:t>
             </a:r>
             <a:r>
-              <a:rPr kumimoji="0" lang="en-US" altLang="en-US" sz="900" dirty="0" err="1">
+              <a:rPr kumimoji="0" lang="en-US" altLang="en-US" sz="800" dirty="0" err="1">
                 <a:latin typeface="Arial" panose="020B0604020202020204" pitchFamily="34" charset="0"/>
                 <a:ea typeface="Dotum" pitchFamily="34" charset="-127"/>
                 <a:cs typeface="Arial" panose="020B0604020202020204" pitchFamily="34" charset="0"/>
               </a:rPr>
               <a:t>tb_approved</a:t>
             </a:r>
-            <a:endParaRPr kumimoji="0" lang="en-US" altLang="en-US" sz="900" dirty="0">
+            <a:endParaRPr kumimoji="0" lang="en-US" altLang="en-US" sz="800" dirty="0">
               <a:latin typeface="Arial" panose="020B0604020202020204" pitchFamily="34" charset="0"/>
               <a:ea typeface="Dotum" pitchFamily="34" charset="-127"/>
               <a:cs typeface="Arial" panose="020B0604020202020204" pitchFamily="34" charset="0"/>
@@ -15962,8 +15962,8 @@
         </p:nvSpPr>
         <p:spPr bwMode="auto">
           <a:xfrm>
-            <a:off x="7400925" y="692150"/>
-            <a:ext cx="1582738" cy="230832"/>
+            <a:off x="7545288" y="692150"/>
+            <a:ext cx="1296144" cy="215444"/>
           </a:xfrm>
           <a:prstGeom prst="rect">
             <a:avLst/>
@@ -15993,7 +15993,7 @@
           </a:extLst>
         </p:spPr>
         <p:txBody>
-          <a:bodyPr>
+          <a:bodyPr wrap="square">
             <a:spAutoFit/>
           </a:bodyPr>
           <a:lstStyle>
@@ -16144,14 +16144,14 @@
               <a:buNone/>
             </a:pPr>
             <a:r>
-              <a:rPr kumimoji="0" lang="en-US" altLang="en-US" sz="900" dirty="0" err="1">
+              <a:rPr kumimoji="0" lang="en-US" altLang="en-US" sz="800" dirty="0" err="1">
                 <a:latin typeface="Arial" panose="020B0604020202020204" pitchFamily="34" charset="0"/>
                 <a:ea typeface="Dotum" pitchFamily="34" charset="-127"/>
                 <a:cs typeface="Arial" panose="020B0604020202020204" pitchFamily="34" charset="0"/>
               </a:rPr>
               <a:t>tb_checked</a:t>
             </a:r>
-            <a:endParaRPr kumimoji="0" lang="en-US" altLang="en-US" sz="900" dirty="0">
+            <a:endParaRPr kumimoji="0" lang="en-US" altLang="en-US" sz="800" dirty="0">
               <a:latin typeface="Arial" panose="020B0604020202020204" pitchFamily="34" charset="0"/>
               <a:ea typeface="Dotum" pitchFamily="34" charset="-127"/>
               <a:cs typeface="Arial" panose="020B0604020202020204" pitchFamily="34" charset="0"/>
@@ -16169,8 +16169,8 @@
         </p:nvSpPr>
         <p:spPr bwMode="auto">
           <a:xfrm>
-            <a:off x="6318250" y="692150"/>
-            <a:ext cx="1285875" cy="230188"/>
+            <a:off x="6321153" y="692150"/>
+            <a:ext cx="1223292" cy="215444"/>
           </a:xfrm>
           <a:prstGeom prst="rect">
             <a:avLst/>
@@ -16200,7 +16200,7 @@
           </a:extLst>
         </p:spPr>
         <p:txBody>
-          <a:bodyPr>
+          <a:bodyPr wrap="square">
             <a:spAutoFit/>
           </a:bodyPr>
           <a:lstStyle>
@@ -16352,14 +16352,14 @@
               <a:buNone/>
             </a:pPr>
             <a:r>
-              <a:rPr kumimoji="0" lang="en-US" altLang="en-US" sz="900" dirty="0" err="1">
+              <a:rPr kumimoji="0" lang="en-US" altLang="en-US" sz="800" dirty="0" err="1">
                 <a:latin typeface="Arial" panose="020B0604020202020204" pitchFamily="34" charset="0"/>
                 <a:ea typeface="Dotum" pitchFamily="34" charset="-127"/>
                 <a:cs typeface="Arial" panose="020B0604020202020204" pitchFamily="34" charset="0"/>
               </a:rPr>
               <a:t>tb_writer</a:t>
             </a:r>
-            <a:endParaRPr kumimoji="0" lang="en-US" altLang="en-US" sz="900" dirty="0">
+            <a:endParaRPr kumimoji="0" lang="en-US" altLang="en-US" sz="800" dirty="0">
               <a:latin typeface="Arial" panose="020B0604020202020204" pitchFamily="34" charset="0"/>
               <a:ea typeface="Dotum" pitchFamily="34" charset="-127"/>
               <a:cs typeface="Arial" panose="020B0604020202020204" pitchFamily="34" charset="0"/>
